--- a/基于kafka的分布式存储架构应用研究.pptx
+++ b/基于kafka的分布式存储架构应用研究.pptx
@@ -10,15 +10,16 @@
     <p:sldId id="258" r:id="rId5"/>
     <p:sldId id="259" r:id="rId6"/>
     <p:sldId id="263" r:id="rId7"/>
-    <p:sldId id="264" r:id="rId8"/>
-    <p:sldId id="265" r:id="rId9"/>
-    <p:sldId id="274" r:id="rId10"/>
-    <p:sldId id="266" r:id="rId11"/>
-    <p:sldId id="267" r:id="rId12"/>
-    <p:sldId id="268" r:id="rId13"/>
-    <p:sldId id="269" r:id="rId14"/>
-    <p:sldId id="270" r:id="rId15"/>
-    <p:sldId id="271" r:id="rId16"/>
+    <p:sldId id="281" r:id="rId8"/>
+    <p:sldId id="264" r:id="rId9"/>
+    <p:sldId id="265" r:id="rId10"/>
+    <p:sldId id="274" r:id="rId11"/>
+    <p:sldId id="266" r:id="rId12"/>
+    <p:sldId id="267" r:id="rId13"/>
+    <p:sldId id="268" r:id="rId14"/>
+    <p:sldId id="269" r:id="rId15"/>
+    <p:sldId id="270" r:id="rId16"/>
+    <p:sldId id="271" r:id="rId17"/>
   </p:sldIdLst>
   <p:sldSz cx="12192000" cy="6858000"/>
   <p:notesSz cx="7103745" cy="10234295"/>
@@ -2783,6 +2784,94 @@
           <a:p>
             <a:r>
               <a:rPr lang="zh-CN" altLang="en-US"/>
+              <a:t>数据同步顺序问题</a:t>
+            </a:r>
+            <a:endParaRPr lang="zh-CN" altLang="en-US"/>
+          </a:p>
+        </p:txBody>
+      </p:sp>
+      <p:sp>
+        <p:nvSpPr>
+          <p:cNvPr id="3" name="内容占位符 2"/>
+          <p:cNvSpPr>
+            <a:spLocks noGrp="1"/>
+          </p:cNvSpPr>
+          <p:nvPr>
+            <p:ph idx="1"/>
+          </p:nvPr>
+        </p:nvSpPr>
+        <p:spPr/>
+        <p:txBody>
+          <a:bodyPr/>
+          <a:p>
+            <a:r>
+              <a:rPr lang="en-US" altLang="zh-CN"/>
+              <a:t>1. </a:t>
+            </a:r>
+            <a:r>
+              <a:rPr lang="zh-CN" altLang="en-US"/>
+              <a:t>为什么会有数据同步顺序问题</a:t>
+            </a:r>
+            <a:endParaRPr lang="zh-CN" altLang="en-US"/>
+          </a:p>
+          <a:p>
+            <a:r>
+              <a:rPr lang="en-US" altLang="zh-CN"/>
+              <a:t>2. </a:t>
+            </a:r>
+            <a:r>
+              <a:rPr lang="zh-CN" altLang="en-US"/>
+              <a:t>数据同步顺序问题的影响</a:t>
+            </a:r>
+            <a:endParaRPr lang="zh-CN" altLang="en-US"/>
+          </a:p>
+          <a:p>
+            <a:r>
+              <a:rPr lang="en-US" altLang="zh-CN"/>
+              <a:t>3. </a:t>
+            </a:r>
+            <a:r>
+              <a:rPr lang="zh-CN" altLang="en-US"/>
+              <a:t>如何解决</a:t>
+            </a:r>
+            <a:endParaRPr lang="zh-CN" altLang="en-US"/>
+          </a:p>
+        </p:txBody>
+      </p:sp>
+    </p:spTree>
+  </p:cSld>
+  <p:clrMapOvr>
+    <a:masterClrMapping/>
+  </p:clrMapOvr>
+</p:sld>
+</file>
+
+<file path=ppt/slides/slide11.xml><?xml version="1.0" encoding="utf-8"?>
+<p:sld xmlns:a="http://schemas.openxmlformats.org/drawingml/2006/main" xmlns:r="http://schemas.openxmlformats.org/officeDocument/2006/relationships" xmlns:p="http://schemas.openxmlformats.org/presentationml/2006/main" showMasterSp="0">
+  <p:cSld>
+    <p:spTree>
+      <p:nvGrpSpPr>
+        <p:cNvPr id="1" name=""/>
+        <p:cNvGrpSpPr/>
+        <p:nvPr/>
+      </p:nvGrpSpPr>
+      <p:grpSpPr/>
+      <p:sp>
+        <p:nvSpPr>
+          <p:cNvPr id="2" name="标题 1"/>
+          <p:cNvSpPr>
+            <a:spLocks noGrp="1"/>
+          </p:cNvSpPr>
+          <p:nvPr>
+            <p:ph type="title"/>
+          </p:nvPr>
+        </p:nvSpPr>
+        <p:spPr/>
+        <p:txBody>
+          <a:bodyPr/>
+          <a:p>
+            <a:r>
+              <a:rPr lang="zh-CN" altLang="en-US"/>
               <a:t>数据同步问题的解决</a:t>
             </a:r>
             <a:endParaRPr lang="zh-CN" altLang="en-US"/>
@@ -2803,6 +2892,9 @@
         <p:txBody>
           <a:bodyPr/>
           <a:p>
+            <a:pPr marL="0" indent="0">
+              <a:buNone/>
+            </a:pPr>
             <a:r>
               <a:rPr lang="zh-CN" altLang="en-US"/>
               <a:t>以</a:t>
@@ -2814,6 +2906,43 @@
             <a:r>
               <a:rPr lang="zh-CN" altLang="en-US"/>
               <a:t>操作为例</a:t>
+            </a:r>
+            <a:endParaRPr lang="zh-CN" altLang="en-US"/>
+          </a:p>
+          <a:p>
+            <a:endParaRPr lang="en-US" altLang="zh-CN"/>
+          </a:p>
+          <a:p>
+            <a:endParaRPr lang="en-US" altLang="zh-CN"/>
+          </a:p>
+          <a:p>
+            <a:endParaRPr lang="en-US" altLang="zh-CN"/>
+          </a:p>
+          <a:p>
+            <a:endParaRPr lang="en-US" altLang="zh-CN"/>
+          </a:p>
+          <a:p>
+            <a:endParaRPr lang="en-US" altLang="zh-CN"/>
+          </a:p>
+          <a:p>
+            <a:r>
+              <a:rPr lang="en-US" altLang="zh-CN"/>
+              <a:t>1. </a:t>
+            </a:r>
+            <a:r>
+              <a:rPr lang="zh-CN" altLang="en-US"/>
+              <a:t>引入删除表（伪删除）</a:t>
+            </a:r>
+            <a:endParaRPr lang="zh-CN" altLang="en-US"/>
+          </a:p>
+          <a:p>
+            <a:r>
+              <a:rPr lang="en-US" altLang="zh-CN"/>
+              <a:t>2. </a:t>
+            </a:r>
+            <a:r>
+              <a:rPr lang="zh-CN" altLang="en-US"/>
+              <a:t>对操作数据加入版本号</a:t>
             </a:r>
             <a:endParaRPr lang="zh-CN" altLang="en-US"/>
           </a:p>
@@ -2835,8 +2964,8 @@
         </p:blipFill>
         <p:spPr>
           <a:xfrm>
-            <a:off x="3286125" y="364490"/>
-            <a:ext cx="7251700" cy="6292850"/>
+            <a:off x="3104515" y="11430"/>
+            <a:ext cx="7601585" cy="6597015"/>
           </a:xfrm>
           <a:prstGeom prst="rect">
             <a:avLst/>
@@ -2855,7 +2984,7 @@
 </p:sld>
 </file>
 
-<file path=ppt/slides/slide11.xml><?xml version="1.0" encoding="utf-8"?>
+<file path=ppt/slides/slide12.xml><?xml version="1.0" encoding="utf-8"?>
 <p:sld xmlns:a="http://schemas.openxmlformats.org/drawingml/2006/main" xmlns:r="http://schemas.openxmlformats.org/officeDocument/2006/relationships" xmlns:p="http://schemas.openxmlformats.org/presentationml/2006/main" showMasterSp="0">
   <p:cSld>
     <p:spTree>
@@ -2956,7 +3085,7 @@
 </p:sld>
 </file>
 
-<file path=ppt/slides/slide12.xml><?xml version="1.0" encoding="utf-8"?>
+<file path=ppt/slides/slide13.xml><?xml version="1.0" encoding="utf-8"?>
 <p:sld xmlns:a="http://schemas.openxmlformats.org/drawingml/2006/main" xmlns:r="http://schemas.openxmlformats.org/officeDocument/2006/relationships" xmlns:p="http://schemas.openxmlformats.org/presentationml/2006/main" showMasterSp="0">
   <p:cSld>
     <p:spTree>
@@ -3057,7 +3186,7 @@
 </p:sld>
 </file>
 
-<file path=ppt/slides/slide13.xml><?xml version="1.0" encoding="utf-8"?>
+<file path=ppt/slides/slide14.xml><?xml version="1.0" encoding="utf-8"?>
 <p:sld xmlns:a="http://schemas.openxmlformats.org/drawingml/2006/main" xmlns:r="http://schemas.openxmlformats.org/officeDocument/2006/relationships" xmlns:p="http://schemas.openxmlformats.org/presentationml/2006/main" showMasterSp="0">
   <p:cSld>
     <p:spTree>
@@ -3131,7 +3260,7 @@
             </a:r>
             <a:r>
               <a:rPr lang="zh-CN" altLang="en-US"/>
-              <a:t>数据获取方法的尝试</a:t>
+              <a:t>尝试与收获</a:t>
             </a:r>
             <a:endParaRPr lang="zh-CN" altLang="en-US"/>
           </a:p>
@@ -3148,7 +3277,7 @@
 </p:sld>
 </file>
 
-<file path=ppt/slides/slide14.xml><?xml version="1.0" encoding="utf-8"?>
+<file path=ppt/slides/slide15.xml><?xml version="1.0" encoding="utf-8"?>
 <p:sld xmlns:a="http://schemas.openxmlformats.org/drawingml/2006/main" xmlns:r="http://schemas.openxmlformats.org/officeDocument/2006/relationships" xmlns:p="http://schemas.openxmlformats.org/presentationml/2006/main" showMasterSp="0">
   <p:cSld>
     <p:spTree>
@@ -3785,6 +3914,107 @@
 </file>
 
 <file path=ppt/slides/slide6.xml><?xml version="1.0" encoding="utf-8"?>
+<p:sld xmlns:a="http://schemas.openxmlformats.org/drawingml/2006/main" xmlns:r="http://schemas.openxmlformats.org/officeDocument/2006/relationships" xmlns:p="http://schemas.openxmlformats.org/presentationml/2006/main">
+  <p:cSld>
+    <p:spTree>
+      <p:nvGrpSpPr>
+        <p:cNvPr id="1" name=""/>
+        <p:cNvGrpSpPr/>
+        <p:nvPr/>
+      </p:nvGrpSpPr>
+      <p:grpSpPr/>
+      <p:sp>
+        <p:nvSpPr>
+          <p:cNvPr id="2" name="标题 1"/>
+          <p:cNvSpPr>
+            <a:spLocks noGrp="1"/>
+          </p:cNvSpPr>
+          <p:nvPr>
+            <p:ph type="title"/>
+          </p:nvPr>
+        </p:nvSpPr>
+        <p:spPr/>
+        <p:txBody>
+          <a:bodyPr/>
+          <a:p>
+            <a:r>
+              <a:rPr lang="zh-CN" altLang="en-US">
+                <a:sym typeface="+mn-ea"/>
+              </a:rPr>
+              <a:t>Kafka集群</a:t>
+            </a:r>
+            <a:endParaRPr lang="zh-CN" altLang="en-US"/>
+          </a:p>
+        </p:txBody>
+      </p:sp>
+      <p:sp>
+        <p:nvSpPr>
+          <p:cNvPr id="3" name="内容占位符 2"/>
+          <p:cNvSpPr>
+            <a:spLocks noGrp="1"/>
+          </p:cNvSpPr>
+          <p:nvPr>
+            <p:ph idx="1"/>
+          </p:nvPr>
+        </p:nvSpPr>
+        <p:spPr/>
+        <p:txBody>
+          <a:bodyPr/>
+          <a:p>
+            <a:pPr marL="0" indent="0">
+              <a:buNone/>
+            </a:pPr>
+            <a:r>
+              <a:rPr lang="zh-CN" altLang="en-US"/>
+              <a:t>为何使用消息系统？</a:t>
+            </a:r>
+            <a:endParaRPr lang="zh-CN" altLang="en-US"/>
+          </a:p>
+          <a:p>
+            <a:r>
+              <a:rPr lang="zh-CN" altLang="en-US"/>
+              <a:t>解耦</a:t>
+            </a:r>
+            <a:endParaRPr lang="zh-CN" altLang="en-US"/>
+          </a:p>
+          <a:p>
+            <a:r>
+              <a:rPr lang="zh-CN" altLang="en-US"/>
+              <a:t>冗余</a:t>
+            </a:r>
+            <a:endParaRPr lang="zh-CN" altLang="en-US"/>
+          </a:p>
+          <a:p>
+            <a:r>
+              <a:rPr lang="zh-CN" altLang="en-US"/>
+              <a:t>扩展性</a:t>
+            </a:r>
+            <a:endParaRPr lang="zh-CN" altLang="en-US"/>
+          </a:p>
+          <a:p>
+            <a:r>
+              <a:rPr lang="zh-CN" altLang="en-US"/>
+              <a:t>异步通讯</a:t>
+            </a:r>
+            <a:endParaRPr lang="zh-CN" altLang="en-US"/>
+          </a:p>
+          <a:p>
+            <a:pPr marL="0" indent="0">
+              <a:buNone/>
+            </a:pPr>
+            <a:endParaRPr lang="zh-CN" altLang="en-US"/>
+          </a:p>
+        </p:txBody>
+      </p:sp>
+    </p:spTree>
+  </p:cSld>
+  <p:clrMapOvr>
+    <a:masterClrMapping/>
+  </p:clrMapOvr>
+</p:sld>
+</file>
+
+<file path=ppt/slides/slide7.xml><?xml version="1.0" encoding="utf-8"?>
 <p:sld xmlns:a="http://schemas.openxmlformats.org/drawingml/2006/main" xmlns:r="http://schemas.openxmlformats.org/officeDocument/2006/relationships" xmlns:p="http://schemas.openxmlformats.org/presentationml/2006/main" showMasterSp="0">
   <p:cSld>
     <p:spTree>
@@ -3918,7 +4148,7 @@
 </p:sld>
 </file>
 
-<file path=ppt/slides/slide7.xml><?xml version="1.0" encoding="utf-8"?>
+<file path=ppt/slides/slide8.xml><?xml version="1.0" encoding="utf-8"?>
 <p:sld xmlns:a="http://schemas.openxmlformats.org/drawingml/2006/main" xmlns:r="http://schemas.openxmlformats.org/officeDocument/2006/relationships" xmlns:p="http://schemas.openxmlformats.org/presentationml/2006/main" showMasterSp="0">
   <p:cSld>
     <p:spTree>
@@ -4015,7 +4245,7 @@
 </p:sld>
 </file>
 
-<file path=ppt/slides/slide8.xml><?xml version="1.0" encoding="utf-8"?>
+<file path=ppt/slides/slide9.xml><?xml version="1.0" encoding="utf-8"?>
 <p:sld xmlns:a="http://schemas.openxmlformats.org/drawingml/2006/main" xmlns:r="http://schemas.openxmlformats.org/officeDocument/2006/relationships" xmlns:p="http://schemas.openxmlformats.org/presentationml/2006/main">
   <p:cSld>
     <p:spTree>
@@ -4061,88 +4291,11 @@
         <p:txBody>
           <a:bodyPr/>
           <a:p>
-            <a:r>
-              <a:rPr lang="zh-CN" altLang="en-US"/>
-              <a:t>分布式架构的部署</a:t>
-            </a:r>
-            <a:endParaRPr lang="zh-CN" altLang="en-US"/>
-          </a:p>
-          <a:p>
-            <a:r>
-              <a:rPr lang="zh-CN" altLang="en-US"/>
-              <a:t>增量数据获取的方式</a:t>
-            </a:r>
-            <a:endParaRPr lang="zh-CN" altLang="en-US"/>
-          </a:p>
-          <a:p>
-            <a:r>
-              <a:rPr lang="zh-CN" altLang="en-US"/>
-              <a:t>如何保证实时同步的效率</a:t>
-            </a:r>
-            <a:endParaRPr lang="zh-CN" altLang="en-US"/>
-          </a:p>
-          <a:p>
-            <a:r>
-              <a:rPr lang="zh-CN" altLang="en-US"/>
-              <a:t>数据同步的顺序问题</a:t>
-            </a:r>
-            <a:endParaRPr lang="zh-CN" altLang="en-US"/>
-          </a:p>
-        </p:txBody>
-      </p:sp>
-    </p:spTree>
-  </p:cSld>
-  <p:clrMapOvr>
-    <a:masterClrMapping/>
-  </p:clrMapOvr>
-</p:sld>
-</file>
-
-<file path=ppt/slides/slide9.xml><?xml version="1.0" encoding="utf-8"?>
-<p:sld xmlns:a="http://schemas.openxmlformats.org/drawingml/2006/main" xmlns:r="http://schemas.openxmlformats.org/officeDocument/2006/relationships" xmlns:p="http://schemas.openxmlformats.org/presentationml/2006/main" showMasterSp="0">
-  <p:cSld>
-    <p:spTree>
-      <p:nvGrpSpPr>
-        <p:cNvPr id="1" name=""/>
-        <p:cNvGrpSpPr/>
-        <p:nvPr/>
-      </p:nvGrpSpPr>
-      <p:grpSpPr/>
-      <p:sp>
-        <p:nvSpPr>
-          <p:cNvPr id="2" name="标题 1"/>
-          <p:cNvSpPr>
-            <a:spLocks noGrp="1"/>
-          </p:cNvSpPr>
-          <p:nvPr>
-            <p:ph type="title"/>
-          </p:nvPr>
-        </p:nvSpPr>
-        <p:spPr/>
-        <p:txBody>
-          <a:bodyPr/>
-          <a:p>
-            <a:r>
-              <a:rPr lang="zh-CN" altLang="en-US"/>
-              <a:t>数据同步问题</a:t>
-            </a:r>
-            <a:endParaRPr lang="zh-CN" altLang="en-US"/>
-          </a:p>
-        </p:txBody>
-      </p:sp>
-      <p:sp>
-        <p:nvSpPr>
-          <p:cNvPr id="3" name="内容占位符 2"/>
-          <p:cNvSpPr>
-            <a:spLocks noGrp="1"/>
-          </p:cNvSpPr>
-          <p:nvPr>
-            <p:ph idx="1"/>
-          </p:nvPr>
-        </p:nvSpPr>
-        <p:spPr/>
-        <p:txBody>
-          <a:bodyPr/>
+            <a:pPr marL="0" indent="0">
+              <a:buNone/>
+            </a:pPr>
+            <a:endParaRPr lang="zh-CN" altLang="en-US"/>
+          </a:p>
           <a:p>
             <a:r>
               <a:rPr lang="en-US" altLang="zh-CN"/>
@@ -4150,8 +4303,14 @@
             </a:r>
             <a:r>
               <a:rPr lang="zh-CN" altLang="en-US"/>
-              <a:t>为什么会有数据同步问题</a:t>
-            </a:r>
+              <a:t>增量数据获取的方式</a:t>
+            </a:r>
+            <a:endParaRPr lang="zh-CN" altLang="en-US"/>
+          </a:p>
+          <a:p>
+            <a:pPr marL="0" indent="0">
+              <a:buNone/>
+            </a:pPr>
             <a:endParaRPr lang="zh-CN" altLang="en-US"/>
           </a:p>
           <a:p>
@@ -4161,18 +4320,7 @@
             </a:r>
             <a:r>
               <a:rPr lang="zh-CN" altLang="en-US"/>
-              <a:t>数据同步问题的影响</a:t>
-            </a:r>
-            <a:endParaRPr lang="zh-CN" altLang="en-US"/>
-          </a:p>
-          <a:p>
-            <a:r>
-              <a:rPr lang="en-US" altLang="zh-CN"/>
-              <a:t>3. </a:t>
-            </a:r>
-            <a:r>
-              <a:rPr lang="zh-CN" altLang="en-US"/>
-              <a:t>如何解决</a:t>
+              <a:t>数据同步的顺序问题</a:t>
             </a:r>
             <a:endParaRPr lang="zh-CN" altLang="en-US"/>
           </a:p>

--- a/基于kafka的分布式存储架构应用研究.pptx
+++ b/基于kafka的分布式存储架构应用研究.pptx
@@ -21,7 +21,7 @@
     <p:sldId id="270" r:id="rId16"/>
     <p:sldId id="271" r:id="rId17"/>
   </p:sldIdLst>
-  <p:sldSz cx="12192000" cy="6858000"/>
+  <p:sldSz cx="9144000" cy="6858000" type="screen4x3"/>
   <p:notesSz cx="7103745" cy="10234295"/>
   <p:defaultTextStyle>
     <a:defPPr>
@@ -150,8 +150,8 @@
         </p:nvSpPr>
         <p:spPr>
           <a:xfrm>
-            <a:off x="1524000" y="1122363"/>
-            <a:ext cx="9144000" cy="2387600"/>
+            <a:off x="1143000" y="1122363"/>
+            <a:ext cx="6858000" cy="2387600"/>
           </a:xfrm>
         </p:spPr>
         <p:txBody>
@@ -182,8 +182,8 @@
         </p:nvSpPr>
         <p:spPr>
           <a:xfrm>
-            <a:off x="1524000" y="3602038"/>
-            <a:ext cx="9144000" cy="1655762"/>
+            <a:off x="1143000" y="3602038"/>
+            <a:ext cx="6858000" cy="1655762"/>
           </a:xfrm>
         </p:spPr>
         <p:txBody>
@@ -335,8 +335,8 @@
         </p:nvSpPr>
         <p:spPr>
           <a:xfrm>
-            <a:off x="838200" y="365125"/>
-            <a:ext cx="10515600" cy="5811838"/>
+            <a:off x="628650" y="365125"/>
+            <a:ext cx="7886700" cy="5811838"/>
           </a:xfrm>
         </p:spPr>
         <p:txBody>
@@ -651,8 +651,8 @@
         </p:nvSpPr>
         <p:spPr>
           <a:xfrm>
-            <a:off x="831850" y="1709738"/>
-            <a:ext cx="10515600" cy="2852737"/>
+            <a:off x="623888" y="1709738"/>
+            <a:ext cx="7886700" cy="2852737"/>
           </a:xfrm>
         </p:spPr>
         <p:txBody>
@@ -683,8 +683,8 @@
         </p:nvSpPr>
         <p:spPr>
           <a:xfrm>
-            <a:off x="831850" y="4589463"/>
-            <a:ext cx="10515600" cy="1500187"/>
+            <a:off x="623888" y="4589463"/>
+            <a:ext cx="7886700" cy="1500187"/>
           </a:xfrm>
         </p:spPr>
         <p:txBody>
@@ -914,8 +914,8 @@
         </p:nvSpPr>
         <p:spPr>
           <a:xfrm>
-            <a:off x="838200" y="1825625"/>
-            <a:ext cx="5181600" cy="4351338"/>
+            <a:off x="628650" y="1825625"/>
+            <a:ext cx="3886200" cy="4351338"/>
           </a:xfrm>
         </p:spPr>
         <p:txBody>
@@ -975,8 +975,8 @@
         </p:nvSpPr>
         <p:spPr>
           <a:xfrm>
-            <a:off x="6172200" y="1825625"/>
-            <a:ext cx="5181600" cy="4351338"/>
+            <a:off x="4629150" y="1825625"/>
+            <a:ext cx="3886200" cy="4351338"/>
           </a:xfrm>
         </p:spPr>
         <p:txBody>
@@ -1124,8 +1124,8 @@
         </p:nvSpPr>
         <p:spPr>
           <a:xfrm>
-            <a:off x="839788" y="365125"/>
-            <a:ext cx="10515600" cy="1325563"/>
+            <a:off x="629841" y="365125"/>
+            <a:ext cx="7886700" cy="1325563"/>
           </a:xfrm>
         </p:spPr>
         <p:txBody>
@@ -1152,8 +1152,8 @@
         </p:nvSpPr>
         <p:spPr>
           <a:xfrm>
-            <a:off x="1186774" y="1778438"/>
-            <a:ext cx="4873574" cy="823912"/>
+            <a:off x="890081" y="1778438"/>
+            <a:ext cx="3655181" cy="823912"/>
           </a:xfrm>
         </p:spPr>
         <p:txBody>
@@ -1218,8 +1218,8 @@
         </p:nvSpPr>
         <p:spPr>
           <a:xfrm>
-            <a:off x="1186774" y="2665379"/>
-            <a:ext cx="4873574" cy="3524284"/>
+            <a:off x="890081" y="2665379"/>
+            <a:ext cx="3655181" cy="3524284"/>
           </a:xfrm>
         </p:spPr>
         <p:txBody>
@@ -1279,8 +1279,8 @@
         </p:nvSpPr>
         <p:spPr>
           <a:xfrm>
-            <a:off x="6256938" y="1778438"/>
-            <a:ext cx="4897576" cy="823912"/>
+            <a:off x="4692704" y="1778438"/>
+            <a:ext cx="3673182" cy="823912"/>
           </a:xfrm>
         </p:spPr>
         <p:txBody>
@@ -1345,8 +1345,8 @@
         </p:nvSpPr>
         <p:spPr>
           <a:xfrm>
-            <a:off x="6256938" y="2665379"/>
-            <a:ext cx="4897576" cy="3524284"/>
+            <a:off x="4692704" y="2665379"/>
+            <a:ext cx="3673182" cy="3524284"/>
           </a:xfrm>
         </p:spPr>
         <p:txBody>
@@ -1693,8 +1693,8 @@
         </p:nvSpPr>
         <p:spPr>
           <a:xfrm>
-            <a:off x="839788" y="457200"/>
-            <a:ext cx="4165349" cy="1600200"/>
+            <a:off x="629841" y="457200"/>
+            <a:ext cx="3124012" cy="1600200"/>
           </a:xfrm>
         </p:spPr>
         <p:txBody>
@@ -1725,8 +1725,8 @@
         </p:nvSpPr>
         <p:spPr>
           <a:xfrm>
-            <a:off x="5183188" y="457201"/>
-            <a:ext cx="6172200" cy="5403850"/>
+            <a:off x="3887391" y="457201"/>
+            <a:ext cx="4629150" cy="5403850"/>
           </a:xfrm>
         </p:spPr>
         <p:txBody>
@@ -1786,8 +1786,8 @@
         </p:nvSpPr>
         <p:spPr>
           <a:xfrm>
-            <a:off x="839788" y="2057400"/>
-            <a:ext cx="4165349" cy="3811588"/>
+            <a:off x="629841" y="2057400"/>
+            <a:ext cx="3124012" cy="3811588"/>
           </a:xfrm>
         </p:spPr>
         <p:txBody>
@@ -1940,8 +1940,8 @@
         </p:nvSpPr>
         <p:spPr>
           <a:xfrm>
-            <a:off x="8724900" y="365125"/>
-            <a:ext cx="2628900" cy="5811838"/>
+            <a:off x="6543675" y="365125"/>
+            <a:ext cx="1971675" cy="5811838"/>
           </a:xfrm>
         </p:spPr>
         <p:txBody>
@@ -1968,8 +1968,8 @@
         </p:nvSpPr>
         <p:spPr>
           <a:xfrm>
-            <a:off x="838200" y="365125"/>
-            <a:ext cx="7734300" cy="5811838"/>
+            <a:off x="628650" y="365125"/>
+            <a:ext cx="5800725" cy="5811838"/>
           </a:xfrm>
         </p:spPr>
         <p:txBody>
@@ -2126,8 +2126,8 @@
         </p:nvSpPr>
         <p:spPr>
           <a:xfrm>
-            <a:off x="838200" y="365125"/>
-            <a:ext cx="10515600" cy="1325563"/>
+            <a:off x="628650" y="365125"/>
+            <a:ext cx="7886700" cy="1325563"/>
           </a:xfrm>
           <a:prstGeom prst="rect">
             <a:avLst/>
@@ -2159,8 +2159,8 @@
         </p:nvSpPr>
         <p:spPr>
           <a:xfrm>
-            <a:off x="838200" y="1825625"/>
-            <a:ext cx="10515600" cy="4351338"/>
+            <a:off x="628650" y="1825625"/>
+            <a:ext cx="7886700" cy="4351338"/>
           </a:xfrm>
           <a:prstGeom prst="rect">
             <a:avLst/>
@@ -2225,8 +2225,8 @@
         </p:nvSpPr>
         <p:spPr>
           <a:xfrm>
-            <a:off x="838200" y="6356350"/>
-            <a:ext cx="2743200" cy="365125"/>
+            <a:off x="628650" y="6356350"/>
+            <a:ext cx="2057400" cy="365125"/>
           </a:xfrm>
           <a:prstGeom prst="rect">
             <a:avLst/>
@@ -2265,8 +2265,8 @@
         </p:nvSpPr>
         <p:spPr>
           <a:xfrm>
-            <a:off x="4038600" y="6356350"/>
-            <a:ext cx="4114800" cy="365125"/>
+            <a:off x="3028950" y="6356350"/>
+            <a:ext cx="3086100" cy="365125"/>
           </a:xfrm>
           <a:prstGeom prst="rect">
             <a:avLst/>
@@ -2302,8 +2302,8 @@
         </p:nvSpPr>
         <p:spPr>
           <a:xfrm>
-            <a:off x="8610600" y="6356350"/>
-            <a:ext cx="2743200" cy="365125"/>
+            <a:off x="6457950" y="6356350"/>
+            <a:ext cx="2057400" cy="365125"/>
           </a:xfrm>
           <a:prstGeom prst="rect">
             <a:avLst/>
@@ -2650,7 +2650,7 @@
         </p:nvSpPr>
         <p:spPr>
           <a:xfrm>
-            <a:off x="1524000" y="1614488"/>
+            <a:off x="0" y="1614488"/>
             <a:ext cx="9144000" cy="2387600"/>
           </a:xfrm>
         </p:spPr>
@@ -2658,18 +2658,18 @@
           <a:bodyPr/>
           <a:p>
             <a:r>
-              <a:rPr lang="zh-CN" altLang="en-US"/>
+              <a:rPr lang="zh-CN" altLang="en-US" sz="5400"/>
               <a:t>基于</a:t>
             </a:r>
             <a:r>
-              <a:rPr lang="en-US" altLang="zh-CN"/>
+              <a:rPr lang="en-US" altLang="zh-CN" sz="5400"/>
               <a:t>kafka</a:t>
             </a:r>
             <a:r>
-              <a:rPr lang="zh-CN" altLang="en-US"/>
+              <a:rPr lang="zh-CN" altLang="en-US" sz="5400"/>
               <a:t>的分布式存储架构应用研究</a:t>
             </a:r>
-            <a:endParaRPr lang="zh-CN" altLang="en-US"/>
+            <a:endParaRPr lang="zh-CN" altLang="en-US" sz="5400"/>
           </a:p>
         </p:txBody>
       </p:sp>
@@ -2685,7 +2685,7 @@
         </p:nvSpPr>
         <p:spPr>
           <a:xfrm>
-            <a:off x="1581785" y="4310063"/>
+            <a:off x="57785" y="4310063"/>
             <a:ext cx="9144000" cy="1655762"/>
           </a:xfrm>
         </p:spPr>
@@ -2742,7 +2742,7 @@
         </p:blipFill>
         <p:spPr>
           <a:xfrm>
-            <a:off x="161925" y="162560"/>
+            <a:off x="345440" y="251460"/>
             <a:ext cx="2078355" cy="1858010"/>
           </a:xfrm>
           <a:prstGeom prst="rect">
@@ -2888,7 +2888,12 @@
             <p:ph idx="1"/>
           </p:nvPr>
         </p:nvSpPr>
-        <p:spPr/>
+        <p:spPr>
+          <a:xfrm>
+            <a:off x="628650" y="1825625"/>
+            <a:ext cx="7886700" cy="4351338"/>
+          </a:xfrm>
+        </p:spPr>
         <p:txBody>
           <a:bodyPr/>
           <a:p>
@@ -2964,7 +2969,7 @@
         </p:blipFill>
         <p:spPr>
           <a:xfrm>
-            <a:off x="3104515" y="11430"/>
+            <a:off x="1284605" y="365125"/>
             <a:ext cx="7601585" cy="6597015"/>
           </a:xfrm>
           <a:prstGeom prst="rect">
@@ -2981,6 +2986,89 @@
   <p:clrMapOvr>
     <a:masterClrMapping/>
   </p:clrMapOvr>
+  <p:timing>
+    <p:tnLst>
+      <p:par>
+        <p:cTn id="1" dur="indefinite" restart="never" nodeType="tmRoot">
+          <p:childTnLst>
+            <p:seq concurrent="1" nextAc="seek">
+              <p:cTn id="2" dur="indefinite" nodeType="mainSeq">
+                <p:childTnLst>
+                  <p:par>
+                    <p:cTn id="3" fill="hold">
+                      <p:stCondLst>
+                        <p:cond delay="indefinite"/>
+                      </p:stCondLst>
+                      <p:childTnLst>
+                        <p:par>
+                          <p:cTn id="4" fill="hold">
+                            <p:stCondLst>
+                              <p:cond delay="0"/>
+                            </p:stCondLst>
+                            <p:childTnLst>
+                              <p:par>
+                                <p:cTn id="5" presetID="3" presetClass="entr" presetSubtype="10" fill="hold" nodeType="clickEffect">
+                                  <p:stCondLst>
+                                    <p:cond delay="0"/>
+                                  </p:stCondLst>
+                                  <p:childTnLst>
+                                    <p:set>
+                                      <p:cBhvr>
+                                        <p:cTn id="6" dur="1" fill="hold">
+                                          <p:stCondLst>
+                                            <p:cond delay="0"/>
+                                          </p:stCondLst>
+                                        </p:cTn>
+                                        <p:tgtEl>
+                                          <p:spTgt spid="4"/>
+                                        </p:tgtEl>
+                                        <p:attrNameLst>
+                                          <p:attrName>style.visibility</p:attrName>
+                                        </p:attrNameLst>
+                                      </p:cBhvr>
+                                      <p:to>
+                                        <p:strVal val="visible"/>
+                                      </p:to>
+                                    </p:set>
+                                    <p:animEffect transition="in" filter="blinds(horizontal)">
+                                      <p:cBhvr>
+                                        <p:cTn id="7" dur="500"/>
+                                        <p:tgtEl>
+                                          <p:spTgt spid="4"/>
+                                        </p:tgtEl>
+                                      </p:cBhvr>
+                                    </p:animEffect>
+                                  </p:childTnLst>
+                                </p:cTn>
+                              </p:par>
+                            </p:childTnLst>
+                          </p:cTn>
+                        </p:par>
+                      </p:childTnLst>
+                    </p:cTn>
+                  </p:par>
+                </p:childTnLst>
+              </p:cTn>
+              <p:prevCondLst>
+                <p:cond evt="onPrev" delay="0">
+                  <p:tgtEl>
+                    <p:sldTgt/>
+                  </p:tgtEl>
+                </p:cond>
+              </p:prevCondLst>
+              <p:nextCondLst>
+                <p:cond evt="onNext" delay="0">
+                  <p:tgtEl>
+                    <p:sldTgt/>
+                  </p:tgtEl>
+                </p:cond>
+              </p:nextCondLst>
+            </p:seq>
+          </p:childTnLst>
+        </p:cTn>
+      </p:par>
+    </p:tnLst>
+  </p:timing>
 </p:sld>
 </file>
 
@@ -3065,7 +3153,7 @@
         </p:blipFill>
         <p:spPr>
           <a:xfrm>
-            <a:off x="1925955" y="2545715"/>
+            <a:off x="401955" y="2545715"/>
             <a:ext cx="6599555" cy="3303270"/>
           </a:xfrm>
           <a:prstGeom prst="rect">
@@ -3166,7 +3254,7 @@
         </p:blipFill>
         <p:spPr>
           <a:xfrm>
-            <a:off x="2696528" y="2330133"/>
+            <a:off x="1172528" y="2330133"/>
             <a:ext cx="5273675" cy="3935095"/>
           </a:xfrm>
           <a:prstGeom prst="rect">
@@ -3295,7 +3383,7 @@
         </p:nvSpPr>
         <p:spPr>
           <a:xfrm>
-            <a:off x="2939415" y="2651760"/>
+            <a:off x="1415415" y="2651760"/>
             <a:ext cx="6313170" cy="1321435"/>
           </a:xfrm>
           <a:prstGeom prst="rect">
@@ -3776,13 +3864,16 @@
         </p:nvSpPr>
         <p:spPr>
           <a:xfrm>
-            <a:off x="838200" y="1588135"/>
-            <a:ext cx="10515600" cy="4351338"/>
+            <a:off x="821055" y="1588135"/>
+            <a:ext cx="7560310" cy="4351655"/>
           </a:xfrm>
         </p:spPr>
         <p:txBody>
           <a:bodyPr/>
           <a:p>
+            <a:pPr marL="0" indent="0">
+              <a:buNone/>
+            </a:pPr>
             <a:r>
               <a:rPr lang="zh-CN" altLang="en-US"/>
               <a:t>整体结构说明</a:t>
@@ -3810,7 +3901,7 @@
         </p:blipFill>
         <p:spPr>
           <a:xfrm>
-            <a:off x="1909445" y="1965325"/>
+            <a:off x="385445" y="1965325"/>
             <a:ext cx="8145780" cy="4148455"/>
           </a:xfrm>
           <a:prstGeom prst="rect">
@@ -4054,7 +4145,12 @@
             <p:ph idx="1"/>
           </p:nvPr>
         </p:nvSpPr>
-        <p:spPr/>
+        <p:spPr>
+          <a:xfrm>
+            <a:off x="628650" y="1475105"/>
+            <a:ext cx="7886700" cy="4351338"/>
+          </a:xfrm>
+        </p:spPr>
         <p:txBody>
           <a:bodyPr/>
           <a:p>
@@ -4128,7 +4224,7 @@
         </p:blipFill>
         <p:spPr>
           <a:xfrm>
-            <a:off x="3954780" y="3298825"/>
+            <a:off x="2430780" y="3298825"/>
             <a:ext cx="3836670" cy="2675890"/>
           </a:xfrm>
           <a:prstGeom prst="rect">
@@ -4225,7 +4321,7 @@
         </p:blipFill>
         <p:spPr>
           <a:xfrm>
-            <a:off x="1089025" y="2352040"/>
+            <a:off x="890270" y="2162810"/>
             <a:ext cx="3469640" cy="3298190"/>
           </a:xfrm>
           <a:prstGeom prst="rect">
